--- a/CC_Presentation1.pptx
+++ b/CC_Presentation1.pptx
@@ -5397,7 +5397,7 @@
                   <a:schemeClr val="bg1"/>
                 </a:solidFill>
               </a:rPr>
-              <a:t>priortia</a:t>
+              <a:t>prioritization</a:t>
             </a:r>
             <a:r>
               <a:rPr lang="de-DE" sz="1400" dirty="0">

--- a/CC_Presentation1.pptx
+++ b/CC_Presentation1.pptx
@@ -3896,15 +3896,11 @@
           <a:prstGeom prst="rect">
             <a:avLst/>
           </a:prstGeom>
-          <a:solidFill>
-            <a:schemeClr val="bg1">
-              <a:lumMod val="65000"/>
-            </a:schemeClr>
-          </a:solidFill>
+          <a:noFill/>
           <a:ln>
             <a:solidFill>
-              <a:schemeClr val="bg1">
-                <a:lumMod val="65000"/>
+              <a:schemeClr val="accent2">
+                <a:lumMod val="50000"/>
               </a:schemeClr>
             </a:solidFill>
           </a:ln>
@@ -4016,8 +4012,8 @@
         </p:nvSpPr>
         <p:spPr>
           <a:xfrm>
-            <a:off x="10011964" y="1515260"/>
-            <a:ext cx="1366306" cy="1603515"/>
+            <a:off x="9813739" y="1421696"/>
+            <a:ext cx="1648390" cy="1828628"/>
           </a:xfrm>
           <a:prstGeom prst="rect">
             <a:avLst/>
@@ -4025,7 +4021,7 @@
           <a:noFill/>
           <a:ln>
             <a:solidFill>
-              <a:schemeClr val="bg1">
+              <a:schemeClr val="accent4">
                 <a:lumMod val="50000"/>
               </a:schemeClr>
             </a:solidFill>
@@ -4084,15 +4080,11 @@
           <a:prstGeom prst="rect">
             <a:avLst/>
           </a:prstGeom>
-          <a:solidFill>
-            <a:schemeClr val="bg1">
-              <a:lumMod val="65000"/>
-            </a:schemeClr>
-          </a:solidFill>
+          <a:noFill/>
           <a:ln>
             <a:solidFill>
-              <a:schemeClr val="bg1">
-                <a:lumMod val="65000"/>
+              <a:schemeClr val="accent2">
+                <a:lumMod val="50000"/>
               </a:schemeClr>
             </a:solidFill>
           </a:ln>
@@ -4593,15 +4585,11 @@
           <a:prstGeom prst="rect">
             <a:avLst/>
           </a:prstGeom>
-          <a:solidFill>
-            <a:schemeClr val="bg1">
-              <a:lumMod val="65000"/>
-            </a:schemeClr>
-          </a:solidFill>
+          <a:noFill/>
           <a:ln>
             <a:solidFill>
-              <a:schemeClr val="bg1">
-                <a:lumMod val="65000"/>
+              <a:schemeClr val="accent2">
+                <a:lumMod val="50000"/>
               </a:schemeClr>
             </a:solidFill>
           </a:ln>
@@ -4653,21 +4641,17 @@
         </p:nvSpPr>
         <p:spPr>
           <a:xfrm>
-            <a:off x="6957392" y="4208619"/>
+            <a:off x="6987758" y="4174207"/>
             <a:ext cx="1640837" cy="1807687"/>
           </a:xfrm>
           <a:prstGeom prst="rect">
             <a:avLst/>
           </a:prstGeom>
-          <a:solidFill>
-            <a:schemeClr val="bg1">
-              <a:lumMod val="65000"/>
-            </a:schemeClr>
-          </a:solidFill>
+          <a:noFill/>
           <a:ln>
             <a:solidFill>
-              <a:schemeClr val="bg1">
-                <a:lumMod val="65000"/>
+              <a:schemeClr val="accent1">
+                <a:lumMod val="75000"/>
               </a:schemeClr>
             </a:solidFill>
           </a:ln>
@@ -4728,8 +4712,8 @@
           <a:noFill/>
           <a:ln>
             <a:solidFill>
-              <a:schemeClr val="bg1">
-                <a:lumMod val="65000"/>
+              <a:schemeClr val="accent1">
+                <a:lumMod val="75000"/>
               </a:schemeClr>
             </a:solidFill>
           </a:ln>
@@ -4787,15 +4771,11 @@
           <a:prstGeom prst="rect">
             <a:avLst/>
           </a:prstGeom>
-          <a:solidFill>
-            <a:schemeClr val="bg1">
-              <a:lumMod val="65000"/>
-            </a:schemeClr>
-          </a:solidFill>
+          <a:noFill/>
           <a:ln>
             <a:solidFill>
-              <a:schemeClr val="bg1">
-                <a:lumMod val="65000"/>
+              <a:schemeClr val="accent4">
+                <a:lumMod val="50000"/>
               </a:schemeClr>
             </a:solidFill>
           </a:ln>
@@ -4855,13 +4835,13 @@
               </a:ext>
             </a:extLst>
           </a:blip>
-          <a:srcRect l="6660" t="5333" r="2101" b="6608"/>
+          <a:srcRect l="6660" t="5333" r="8817" b="14119"/>
           <a:stretch/>
         </p:blipFill>
         <p:spPr>
           <a:xfrm>
-            <a:off x="10010570" y="1515260"/>
-            <a:ext cx="1366306" cy="1603515"/>
+            <a:off x="9888850" y="1463937"/>
+            <a:ext cx="1498167" cy="1736085"/>
           </a:xfrm>
           <a:prstGeom prst="rect">
             <a:avLst/>
@@ -4874,6 +4854,93 @@
             <a:extLst>
               <a:ext uri="{FF2B5EF4-FFF2-40B4-BE49-F238E27FC236}">
                 <a16:creationId xmlns:a16="http://schemas.microsoft.com/office/drawing/2014/main" id="{2742693C-18A6-476A-BEE9-39188A480226}"/>
+              </a:ext>
+            </a:extLst>
+          </p:cNvPr>
+          <p:cNvPicPr>
+            <a:picLocks noChangeAspect="1"/>
+          </p:cNvPicPr>
+          <p:nvPr/>
+        </p:nvPicPr>
+        <p:blipFill rotWithShape="1">
+          <a:blip r:embed="rId4"/>
+          <a:srcRect l="-1" t="1" r="4986" b="2821"/>
+          <a:stretch/>
+        </p:blipFill>
+        <p:spPr>
+          <a:xfrm>
+            <a:off x="581513" y="4227411"/>
+            <a:ext cx="1577192" cy="1765918"/>
+          </a:xfrm>
+          <a:prstGeom prst="rect">
+            <a:avLst/>
+          </a:prstGeom>
+        </p:spPr>
+      </p:pic>
+      <p:pic>
+        <p:nvPicPr>
+          <p:cNvPr id="15" name="Grafik 14">
+            <a:extLst>
+              <a:ext uri="{FF2B5EF4-FFF2-40B4-BE49-F238E27FC236}">
+                <a16:creationId xmlns:a16="http://schemas.microsoft.com/office/drawing/2014/main" id="{52945A3D-0A25-451D-9A17-BA8FA17B5BB8}"/>
+              </a:ext>
+            </a:extLst>
+          </p:cNvPr>
+          <p:cNvPicPr>
+            <a:picLocks noChangeAspect="1"/>
+          </p:cNvPicPr>
+          <p:nvPr/>
+        </p:nvPicPr>
+        <p:blipFill rotWithShape="1">
+          <a:blip r:embed="rId5"/>
+          <a:srcRect l="-1472" r="11377"/>
+          <a:stretch/>
+        </p:blipFill>
+        <p:spPr>
+          <a:xfrm>
+            <a:off x="6955867" y="1413387"/>
+            <a:ext cx="1617197" cy="1774301"/>
+          </a:xfrm>
+          <a:prstGeom prst="rect">
+            <a:avLst/>
+          </a:prstGeom>
+        </p:spPr>
+      </p:pic>
+      <p:pic>
+        <p:nvPicPr>
+          <p:cNvPr id="18" name="Grafik 17">
+            <a:extLst>
+              <a:ext uri="{FF2B5EF4-FFF2-40B4-BE49-F238E27FC236}">
+                <a16:creationId xmlns:a16="http://schemas.microsoft.com/office/drawing/2014/main" id="{F4487B7D-A499-468B-9210-6F3A81241A0F}"/>
+              </a:ext>
+            </a:extLst>
+          </p:cNvPr>
+          <p:cNvPicPr>
+            <a:picLocks noChangeAspect="1"/>
+          </p:cNvPicPr>
+          <p:nvPr/>
+        </p:nvPicPr>
+        <p:blipFill rotWithShape="1">
+          <a:blip r:embed="rId6"/>
+          <a:srcRect b="2519"/>
+          <a:stretch/>
+        </p:blipFill>
+        <p:spPr>
+          <a:xfrm>
+            <a:off x="7085169" y="4161873"/>
+            <a:ext cx="1446014" cy="1803170"/>
+          </a:xfrm>
+          <a:prstGeom prst="rect">
+            <a:avLst/>
+          </a:prstGeom>
+        </p:spPr>
+      </p:pic>
+      <p:pic>
+        <p:nvPicPr>
+          <p:cNvPr id="20" name="Grafik 19">
+            <a:extLst>
+              <a:ext uri="{FF2B5EF4-FFF2-40B4-BE49-F238E27FC236}">
+                <a16:creationId xmlns:a16="http://schemas.microsoft.com/office/drawing/2014/main" id="{FB127F48-A557-46EE-8FB2-9ECFE847DEF1}"/>
               </a:ext>
             </a:extLst>
           </p:cNvPr>
@@ -4883,15 +4950,73 @@
           <p:nvPr/>
         </p:nvPicPr>
         <p:blipFill>
-          <a:blip r:embed="rId4"/>
+          <a:blip r:embed="rId7"/>
           <a:stretch>
             <a:fillRect/>
           </a:stretch>
         </p:blipFill>
         <p:spPr>
           <a:xfrm>
-            <a:off x="556408" y="4199125"/>
-            <a:ext cx="1659954" cy="1817181"/>
+            <a:off x="3766320" y="1474984"/>
+            <a:ext cx="1541414" cy="1667244"/>
+          </a:xfrm>
+          <a:prstGeom prst="rect">
+            <a:avLst/>
+          </a:prstGeom>
+        </p:spPr>
+      </p:pic>
+      <p:pic>
+        <p:nvPicPr>
+          <p:cNvPr id="21" name="Grafik 20">
+            <a:extLst>
+              <a:ext uri="{FF2B5EF4-FFF2-40B4-BE49-F238E27FC236}">
+                <a16:creationId xmlns:a16="http://schemas.microsoft.com/office/drawing/2014/main" id="{2C621DC1-42A6-4C6C-B187-EBF75664C7F2}"/>
+              </a:ext>
+            </a:extLst>
+          </p:cNvPr>
+          <p:cNvPicPr>
+            <a:picLocks noChangeAspect="1"/>
+          </p:cNvPicPr>
+          <p:nvPr/>
+        </p:nvPicPr>
+        <p:blipFill rotWithShape="1">
+          <a:blip r:embed="rId8"/>
+          <a:srcRect l="8187" t="1545" r="10842" b="-1545"/>
+          <a:stretch/>
+        </p:blipFill>
+        <p:spPr>
+          <a:xfrm>
+            <a:off x="664646" y="1421456"/>
+            <a:ext cx="1467375" cy="1774301"/>
+          </a:xfrm>
+          <a:prstGeom prst="rect">
+            <a:avLst/>
+          </a:prstGeom>
+        </p:spPr>
+      </p:pic>
+      <p:pic>
+        <p:nvPicPr>
+          <p:cNvPr id="22" name="Grafik 21">
+            <a:extLst>
+              <a:ext uri="{FF2B5EF4-FFF2-40B4-BE49-F238E27FC236}">
+                <a16:creationId xmlns:a16="http://schemas.microsoft.com/office/drawing/2014/main" id="{015605B7-D8E6-47DF-9B85-CBA25CE22E38}"/>
+              </a:ext>
+            </a:extLst>
+          </p:cNvPr>
+          <p:cNvPicPr>
+            <a:picLocks noChangeAspect="1"/>
+          </p:cNvPicPr>
+          <p:nvPr/>
+        </p:nvPicPr>
+        <p:blipFill rotWithShape="1">
+          <a:blip r:embed="rId9"/>
+          <a:srcRect b="13932"/>
+          <a:stretch/>
+        </p:blipFill>
+        <p:spPr>
+          <a:xfrm>
+            <a:off x="3833964" y="4227411"/>
+            <a:ext cx="1364261" cy="1737632"/>
           </a:xfrm>
           <a:prstGeom prst="rect">
             <a:avLst/>
@@ -5674,7 +5799,23 @@
                   <a:schemeClr val="bg1"/>
                 </a:solidFill>
               </a:rPr>
-              <a:t> Sprint </a:t>
+              <a:t> </a:t>
+            </a:r>
+            <a:r>
+              <a:rPr lang="de-DE" sz="1400" dirty="0" err="1">
+                <a:solidFill>
+                  <a:schemeClr val="bg1"/>
+                </a:solidFill>
+              </a:rPr>
+              <a:t>sprint</a:t>
+            </a:r>
+            <a:r>
+              <a:rPr lang="de-DE" sz="1400" dirty="0">
+                <a:solidFill>
+                  <a:schemeClr val="bg1"/>
+                </a:solidFill>
+              </a:rPr>
+              <a:t> </a:t>
             </a:r>
             <a:r>
               <a:rPr lang="de-DE" sz="1400" dirty="0" err="1">
@@ -5768,7 +5909,7 @@
                   <a:schemeClr val="bg1"/>
                 </a:solidFill>
               </a:rPr>
-              <a:t> Code </a:t>
+              <a:t> code </a:t>
             </a:r>
             <a:r>
               <a:rPr lang="de-DE" sz="1400" dirty="0" err="1">
